--- a/Кибертормоз и дигитална етика.pptx
+++ b/Кибертормоз и дигитална етика.pptx
@@ -12648,8 +12648,8 @@
         </p:blipFill>
         <p:spPr bwMode="auto">
           <a:xfrm>
-            <a:off x="1708148" y="2162651"/>
-            <a:ext cx="5260975" cy="5257324"/>
+            <a:off x="7123176" y="2512337"/>
+            <a:ext cx="4591683" cy="4588496"/>
           </a:xfrm>
           <a:prstGeom prst="rect">
             <a:avLst/>
@@ -12666,6 +12666,231 @@
           </a:extLst>
         </p:spPr>
       </p:pic>
+      <p:sp>
+        <p:nvSpPr>
+          <p:cNvPr id="3" name="Подзаглавие 2">
+            <a:extLst>
+              <a:ext uri="{FF2B5EF4-FFF2-40B4-BE49-F238E27FC236}">
+                <a16:creationId xmlns:a16="http://schemas.microsoft.com/office/drawing/2014/main" id="{5FBA2A04-ACAE-E3E5-BABF-57585508398C}"/>
+              </a:ext>
+            </a:extLst>
+          </p:cNvPr>
+          <p:cNvSpPr txBox="1">
+            <a:spLocks/>
+          </p:cNvSpPr>
+          <p:nvPr/>
+        </p:nvSpPr>
+        <p:spPr>
+          <a:xfrm>
+            <a:off x="0" y="3429000"/>
+            <a:ext cx="6684264" cy="1965960"/>
+          </a:xfrm>
+          <a:prstGeom prst="rect">
+            <a:avLst/>
+          </a:prstGeom>
+        </p:spPr>
+        <p:txBody>
+          <a:bodyPr vert="horz" lIns="91440" tIns="45720" rIns="91440" bIns="45720" rtlCol="0">
+            <a:normAutofit/>
+          </a:bodyPr>
+          <a:lstStyle>
+            <a:lvl1pPr marL="0" indent="0" algn="l" defTabSz="914400" rtl="0" eaLnBrk="1" latinLnBrk="0" hangingPunct="1">
+              <a:lnSpc>
+                <a:spcPct val="90000"/>
+              </a:lnSpc>
+              <a:spcBef>
+                <a:spcPts val="1000"/>
+              </a:spcBef>
+              <a:buFont typeface="Arial" panose="020B0604020202020204" pitchFamily="34" charset="0"/>
+              <a:buNone/>
+              <a:defRPr sz="2400" kern="1200">
+                <a:solidFill>
+                  <a:schemeClr val="bg1"/>
+                </a:solidFill>
+                <a:latin typeface="Calibri" panose="020F0502020204030204" pitchFamily="34" charset="0"/>
+                <a:ea typeface="+mn-ea"/>
+                <a:cs typeface="Calibri" panose="020F0502020204030204" pitchFamily="34" charset="0"/>
+              </a:defRPr>
+            </a:lvl1pPr>
+            <a:lvl2pPr marL="457200" indent="0" algn="ctr" defTabSz="914400" rtl="0" eaLnBrk="1" latinLnBrk="0" hangingPunct="1">
+              <a:lnSpc>
+                <a:spcPct val="90000"/>
+              </a:lnSpc>
+              <a:spcBef>
+                <a:spcPts val="500"/>
+              </a:spcBef>
+              <a:buFont typeface="Arial" panose="020B0604020202020204" pitchFamily="34" charset="0"/>
+              <a:buNone/>
+              <a:defRPr sz="2000" kern="1200">
+                <a:solidFill>
+                  <a:schemeClr val="tx1"/>
+                </a:solidFill>
+                <a:latin typeface="Calibri" panose="020F0502020204030204" pitchFamily="34" charset="0"/>
+                <a:ea typeface="+mn-ea"/>
+                <a:cs typeface="Calibri" panose="020F0502020204030204" pitchFamily="34" charset="0"/>
+              </a:defRPr>
+            </a:lvl2pPr>
+            <a:lvl3pPr marL="914400" indent="0" algn="ctr" defTabSz="914400" rtl="0" eaLnBrk="1" latinLnBrk="0" hangingPunct="1">
+              <a:lnSpc>
+                <a:spcPct val="90000"/>
+              </a:lnSpc>
+              <a:spcBef>
+                <a:spcPts val="500"/>
+              </a:spcBef>
+              <a:buFont typeface="Arial" panose="020B0604020202020204" pitchFamily="34" charset="0"/>
+              <a:buNone/>
+              <a:defRPr sz="1800" kern="1200">
+                <a:solidFill>
+                  <a:schemeClr val="tx1"/>
+                </a:solidFill>
+                <a:latin typeface="Calibri" panose="020F0502020204030204" pitchFamily="34" charset="0"/>
+                <a:ea typeface="+mn-ea"/>
+                <a:cs typeface="Calibri" panose="020F0502020204030204" pitchFamily="34" charset="0"/>
+              </a:defRPr>
+            </a:lvl3pPr>
+            <a:lvl4pPr marL="1371600" indent="0" algn="ctr" defTabSz="914400" rtl="0" eaLnBrk="1" latinLnBrk="0" hangingPunct="1">
+              <a:lnSpc>
+                <a:spcPct val="90000"/>
+              </a:lnSpc>
+              <a:spcBef>
+                <a:spcPts val="500"/>
+              </a:spcBef>
+              <a:buFont typeface="Arial" panose="020B0604020202020204" pitchFamily="34" charset="0"/>
+              <a:buNone/>
+              <a:defRPr sz="1600" kern="1200">
+                <a:solidFill>
+                  <a:schemeClr val="tx1"/>
+                </a:solidFill>
+                <a:latin typeface="Calibri" panose="020F0502020204030204" pitchFamily="34" charset="0"/>
+                <a:ea typeface="+mn-ea"/>
+                <a:cs typeface="Calibri" panose="020F0502020204030204" pitchFamily="34" charset="0"/>
+              </a:defRPr>
+            </a:lvl4pPr>
+            <a:lvl5pPr marL="1828800" indent="0" algn="ctr" defTabSz="914400" rtl="0" eaLnBrk="1" latinLnBrk="0" hangingPunct="1">
+              <a:lnSpc>
+                <a:spcPct val="90000"/>
+              </a:lnSpc>
+              <a:spcBef>
+                <a:spcPts val="500"/>
+              </a:spcBef>
+              <a:buFont typeface="Arial" panose="020B0604020202020204" pitchFamily="34" charset="0"/>
+              <a:buNone/>
+              <a:defRPr sz="1600" kern="1200">
+                <a:solidFill>
+                  <a:schemeClr val="tx1"/>
+                </a:solidFill>
+                <a:latin typeface="Calibri" panose="020F0502020204030204" pitchFamily="34" charset="0"/>
+                <a:ea typeface="+mn-ea"/>
+                <a:cs typeface="Calibri" panose="020F0502020204030204" pitchFamily="34" charset="0"/>
+              </a:defRPr>
+            </a:lvl5pPr>
+            <a:lvl6pPr marL="2286000" indent="0" algn="ctr" defTabSz="914400" rtl="0" eaLnBrk="1" latinLnBrk="0" hangingPunct="1">
+              <a:lnSpc>
+                <a:spcPct val="90000"/>
+              </a:lnSpc>
+              <a:spcBef>
+                <a:spcPts val="500"/>
+              </a:spcBef>
+              <a:buFont typeface="Arial" panose="020B0604020202020204" pitchFamily="34" charset="0"/>
+              <a:buNone/>
+              <a:defRPr sz="1600" kern="1200">
+                <a:solidFill>
+                  <a:schemeClr val="tx1"/>
+                </a:solidFill>
+                <a:latin typeface="+mn-lt"/>
+                <a:ea typeface="+mn-ea"/>
+                <a:cs typeface="+mn-cs"/>
+              </a:defRPr>
+            </a:lvl6pPr>
+            <a:lvl7pPr marL="2743200" indent="0" algn="ctr" defTabSz="914400" rtl="0" eaLnBrk="1" latinLnBrk="0" hangingPunct="1">
+              <a:lnSpc>
+                <a:spcPct val="90000"/>
+              </a:lnSpc>
+              <a:spcBef>
+                <a:spcPts val="500"/>
+              </a:spcBef>
+              <a:buFont typeface="Arial" panose="020B0604020202020204" pitchFamily="34" charset="0"/>
+              <a:buNone/>
+              <a:defRPr sz="1600" kern="1200">
+                <a:solidFill>
+                  <a:schemeClr val="tx1"/>
+                </a:solidFill>
+                <a:latin typeface="+mn-lt"/>
+                <a:ea typeface="+mn-ea"/>
+                <a:cs typeface="+mn-cs"/>
+              </a:defRPr>
+            </a:lvl7pPr>
+            <a:lvl8pPr marL="3200400" indent="0" algn="ctr" defTabSz="914400" rtl="0" eaLnBrk="1" latinLnBrk="0" hangingPunct="1">
+              <a:lnSpc>
+                <a:spcPct val="90000"/>
+              </a:lnSpc>
+              <a:spcBef>
+                <a:spcPts val="500"/>
+              </a:spcBef>
+              <a:buFont typeface="Arial" panose="020B0604020202020204" pitchFamily="34" charset="0"/>
+              <a:buNone/>
+              <a:defRPr sz="1600" kern="1200">
+                <a:solidFill>
+                  <a:schemeClr val="tx1"/>
+                </a:solidFill>
+                <a:latin typeface="+mn-lt"/>
+                <a:ea typeface="+mn-ea"/>
+                <a:cs typeface="+mn-cs"/>
+              </a:defRPr>
+            </a:lvl8pPr>
+            <a:lvl9pPr marL="3657600" indent="0" algn="ctr" defTabSz="914400" rtl="0" eaLnBrk="1" latinLnBrk="0" hangingPunct="1">
+              <a:lnSpc>
+                <a:spcPct val="90000"/>
+              </a:lnSpc>
+              <a:spcBef>
+                <a:spcPts val="500"/>
+              </a:spcBef>
+              <a:buFont typeface="Arial" panose="020B0604020202020204" pitchFamily="34" charset="0"/>
+              <a:buNone/>
+              <a:defRPr sz="1600" kern="1200">
+                <a:solidFill>
+                  <a:schemeClr val="tx1"/>
+                </a:solidFill>
+                <a:latin typeface="+mn-lt"/>
+                <a:ea typeface="+mn-ea"/>
+                <a:cs typeface="+mn-cs"/>
+              </a:defRPr>
+            </a:lvl9pPr>
+          </a:lstStyle>
+          <a:p>
+            <a:r>
+              <a:rPr lang="bg-BG" sz="4000" b="1" dirty="0"/>
+              <a:t>Линк за уебсайта:</a:t>
+            </a:r>
+            <a:br>
+              <a:rPr lang="bg-BG" sz="4000" b="1" dirty="0"/>
+            </a:br>
+            <a:br>
+              <a:rPr lang="en-US" sz="3200" b="1" dirty="0"/>
+            </a:br>
+            <a:r>
+              <a:rPr lang="en-US" sz="3200" b="1" dirty="0">
+                <a:solidFill>
+                  <a:srgbClr val="FFFF00"/>
+                </a:solidFill>
+                <a:hlinkClick r:id="rId5">
+                  <a:extLst>
+                    <a:ext uri="{A12FA001-AC4F-418D-AE19-62706E023703}">
+                      <ahyp:hlinkClr xmlns:ahyp="http://schemas.microsoft.com/office/drawing/2018/hyperlinkcolor" val="tx"/>
+                    </a:ext>
+                  </a:extLst>
+                </a:hlinkClick>
+              </a:rPr>
+              <a:t>https://cyberedu-project.netlify.app</a:t>
+            </a:r>
+            <a:endParaRPr lang="bg-BG" sz="4000" b="1" dirty="0">
+              <a:solidFill>
+                <a:srgbClr val="FFFF00"/>
+              </a:solidFill>
+            </a:endParaRPr>
+          </a:p>
+        </p:txBody>
+      </p:sp>
     </p:spTree>
     <p:extLst>
       <p:ext uri="{BB962C8B-B14F-4D97-AF65-F5344CB8AC3E}">
@@ -13471,22 +13696,12 @@
 </file>
 
 <file path=customXml/item1.xml><?xml version="1.0" encoding="utf-8"?>
-<p:properties xmlns:p="http://schemas.microsoft.com/office/2006/metadata/properties" xmlns:xsi="http://www.w3.org/2001/XMLSchema-instance" xmlns:pc="http://schemas.microsoft.com/office/infopath/2007/PartnerControls">
-  <documentManagement>
-    <_ip_UnifiedCompliancePolicyUIAction xmlns="http://schemas.microsoft.com/sharepoint/v3" xsi:nil="true"/>
-    <Image xmlns="71af3243-3dd4-4a8d-8c0d-dd76da1f02a5">
-      <Url xsi:nil="true"/>
-      <Description xsi:nil="true"/>
-    </Image>
-    <Status xmlns="71af3243-3dd4-4a8d-8c0d-dd76da1f02a5">Not started</Status>
-    <_ip_UnifiedCompliancePolicyProperties xmlns="http://schemas.microsoft.com/sharepoint/v3" xsi:nil="true"/>
-    <ImageTagsTaxHTField xmlns="71af3243-3dd4-4a8d-8c0d-dd76da1f02a5">
-      <Terms xmlns="http://schemas.microsoft.com/office/infopath/2007/PartnerControls"/>
-    </ImageTagsTaxHTField>
-    <TaxCatchAll xmlns="230e9df3-be65-4c73-a93b-d1236ebd677e"/>
-    <MediaServiceKeyPoints xmlns="71af3243-3dd4-4a8d-8c0d-dd76da1f02a5" xsi:nil="true"/>
-  </documentManagement>
-</p:properties>
+<?mso-contentType ?>
+<FormTemplates xmlns="http://schemas.microsoft.com/sharepoint/v3/contenttype/forms">
+  <Display>DocumentLibraryForm</Display>
+  <Edit>DocumentLibraryForm</Edit>
+  <New>DocumentLibraryForm</New>
+</FormTemplates>
 </file>
 
 <file path=customXml/item2.xml><?xml version="1.0" encoding="utf-8"?>
@@ -13772,22 +13987,28 @@
 </file>
 
 <file path=customXml/item3.xml><?xml version="1.0" encoding="utf-8"?>
-<?mso-contentType ?>
-<FormTemplates xmlns="http://schemas.microsoft.com/sharepoint/v3/contenttype/forms">
-  <Display>DocumentLibraryForm</Display>
-  <Edit>DocumentLibraryForm</Edit>
-  <New>DocumentLibraryForm</New>
-</FormTemplates>
+<p:properties xmlns:p="http://schemas.microsoft.com/office/2006/metadata/properties" xmlns:xsi="http://www.w3.org/2001/XMLSchema-instance" xmlns:pc="http://schemas.microsoft.com/office/infopath/2007/PartnerControls">
+  <documentManagement>
+    <_ip_UnifiedCompliancePolicyUIAction xmlns="http://schemas.microsoft.com/sharepoint/v3" xsi:nil="true"/>
+    <Image xmlns="71af3243-3dd4-4a8d-8c0d-dd76da1f02a5">
+      <Url xsi:nil="true"/>
+      <Description xsi:nil="true"/>
+    </Image>
+    <Status xmlns="71af3243-3dd4-4a8d-8c0d-dd76da1f02a5">Not started</Status>
+    <_ip_UnifiedCompliancePolicyProperties xmlns="http://schemas.microsoft.com/sharepoint/v3" xsi:nil="true"/>
+    <ImageTagsTaxHTField xmlns="71af3243-3dd4-4a8d-8c0d-dd76da1f02a5">
+      <Terms xmlns="http://schemas.microsoft.com/office/infopath/2007/PartnerControls"/>
+    </ImageTagsTaxHTField>
+    <TaxCatchAll xmlns="230e9df3-be65-4c73-a93b-d1236ebd677e"/>
+    <MediaServiceKeyPoints xmlns="71af3243-3dd4-4a8d-8c0d-dd76da1f02a5" xsi:nil="true"/>
+  </documentManagement>
+</p:properties>
 </file>
 
 <file path=customXml/itemProps1.xml><?xml version="1.0" encoding="utf-8"?>
-<ds:datastoreItem xmlns:ds="http://schemas.openxmlformats.org/officeDocument/2006/customXml" ds:itemID="{CA4F7154-AFAC-4BE7-8A74-7F4B6FC2743C}">
+<ds:datastoreItem xmlns:ds="http://schemas.openxmlformats.org/officeDocument/2006/customXml" ds:itemID="{E618C13B-9D83-4AF4-B64D-33362D5133F8}">
   <ds:schemaRefs>
-    <ds:schemaRef ds:uri="http://schemas.microsoft.com/office/2006/metadata/properties"/>
-    <ds:schemaRef ds:uri="http://schemas.microsoft.com/office/infopath/2007/PartnerControls"/>
-    <ds:schemaRef ds:uri="http://schemas.microsoft.com/sharepoint/v3"/>
-    <ds:schemaRef ds:uri="71af3243-3dd4-4a8d-8c0d-dd76da1f02a5"/>
-    <ds:schemaRef ds:uri="230e9df3-be65-4c73-a93b-d1236ebd677e"/>
+    <ds:schemaRef ds:uri="http://schemas.microsoft.com/sharepoint/v3/contenttype/forms"/>
   </ds:schemaRefs>
 </ds:datastoreItem>
 </file>
@@ -13814,9 +14035,13 @@
 </file>
 
 <file path=customXml/itemProps3.xml><?xml version="1.0" encoding="utf-8"?>
-<ds:datastoreItem xmlns:ds="http://schemas.openxmlformats.org/officeDocument/2006/customXml" ds:itemID="{E618C13B-9D83-4AF4-B64D-33362D5133F8}">
+<ds:datastoreItem xmlns:ds="http://schemas.openxmlformats.org/officeDocument/2006/customXml" ds:itemID="{CA4F7154-AFAC-4BE7-8A74-7F4B6FC2743C}">
   <ds:schemaRefs>
-    <ds:schemaRef ds:uri="http://schemas.microsoft.com/sharepoint/v3/contenttype/forms"/>
+    <ds:schemaRef ds:uri="http://schemas.microsoft.com/office/2006/metadata/properties"/>
+    <ds:schemaRef ds:uri="http://schemas.microsoft.com/office/infopath/2007/PartnerControls"/>
+    <ds:schemaRef ds:uri="http://schemas.microsoft.com/sharepoint/v3"/>
+    <ds:schemaRef ds:uri="71af3243-3dd4-4a8d-8c0d-dd76da1f02a5"/>
+    <ds:schemaRef ds:uri="230e9df3-be65-4c73-a93b-d1236ebd677e"/>
   </ds:schemaRefs>
 </ds:datastoreItem>
 </file>
